--- a/Music and Memory/fMRI analysis/clustersummary.pptx
+++ b/Music and Memory/fMRI analysis/clustersummary.pptx
@@ -9,6 +9,8 @@
     <p:sldId id="256" r:id="rId3"/>
     <p:sldId id="257" r:id="rId4"/>
     <p:sldId id="258" r:id="rId5"/>
+    <p:sldId id="260" r:id="rId6"/>
+    <p:sldId id="261" r:id="rId7"/>
   </p:sldIdLst>
   <p:sldSz cx="9144000" cy="6858000" type="screen4x3"/>
   <p:notesSz cx="6858000" cy="9144000"/>
@@ -246,7 +248,7 @@
           <a:p>
             <a:fld id="{2D90A0AE-35B3-4F46-B77E-74056CC74370}" type="datetimeFigureOut">
               <a:rPr lang="en-CA" smtClean="0"/>
-              <a:t>10/04/2018</a:t>
+              <a:t>19/04/2018</a:t>
             </a:fld>
             <a:endParaRPr lang="en-CA"/>
           </a:p>
@@ -416,7 +418,7 @@
           <a:p>
             <a:fld id="{2D90A0AE-35B3-4F46-B77E-74056CC74370}" type="datetimeFigureOut">
               <a:rPr lang="en-CA" smtClean="0"/>
-              <a:t>10/04/2018</a:t>
+              <a:t>19/04/2018</a:t>
             </a:fld>
             <a:endParaRPr lang="en-CA"/>
           </a:p>
@@ -596,7 +598,7 @@
           <a:p>
             <a:fld id="{2D90A0AE-35B3-4F46-B77E-74056CC74370}" type="datetimeFigureOut">
               <a:rPr lang="en-CA" smtClean="0"/>
-              <a:t>10/04/2018</a:t>
+              <a:t>19/04/2018</a:t>
             </a:fld>
             <a:endParaRPr lang="en-CA"/>
           </a:p>
@@ -766,7 +768,7 @@
           <a:p>
             <a:fld id="{2D90A0AE-35B3-4F46-B77E-74056CC74370}" type="datetimeFigureOut">
               <a:rPr lang="en-CA" smtClean="0"/>
-              <a:t>10/04/2018</a:t>
+              <a:t>19/04/2018</a:t>
             </a:fld>
             <a:endParaRPr lang="en-CA"/>
           </a:p>
@@ -1010,7 +1012,7 @@
           <a:p>
             <a:fld id="{2D90A0AE-35B3-4F46-B77E-74056CC74370}" type="datetimeFigureOut">
               <a:rPr lang="en-CA" smtClean="0"/>
-              <a:t>10/04/2018</a:t>
+              <a:t>19/04/2018</a:t>
             </a:fld>
             <a:endParaRPr lang="en-CA"/>
           </a:p>
@@ -1242,7 +1244,7 @@
           <a:p>
             <a:fld id="{2D90A0AE-35B3-4F46-B77E-74056CC74370}" type="datetimeFigureOut">
               <a:rPr lang="en-CA" smtClean="0"/>
-              <a:t>10/04/2018</a:t>
+              <a:t>19/04/2018</a:t>
             </a:fld>
             <a:endParaRPr lang="en-CA"/>
           </a:p>
@@ -1609,7 +1611,7 @@
           <a:p>
             <a:fld id="{2D90A0AE-35B3-4F46-B77E-74056CC74370}" type="datetimeFigureOut">
               <a:rPr lang="en-CA" smtClean="0"/>
-              <a:t>10/04/2018</a:t>
+              <a:t>19/04/2018</a:t>
             </a:fld>
             <a:endParaRPr lang="en-CA"/>
           </a:p>
@@ -1727,7 +1729,7 @@
           <a:p>
             <a:fld id="{2D90A0AE-35B3-4F46-B77E-74056CC74370}" type="datetimeFigureOut">
               <a:rPr lang="en-CA" smtClean="0"/>
-              <a:t>10/04/2018</a:t>
+              <a:t>19/04/2018</a:t>
             </a:fld>
             <a:endParaRPr lang="en-CA"/>
           </a:p>
@@ -1822,7 +1824,7 @@
           <a:p>
             <a:fld id="{2D90A0AE-35B3-4F46-B77E-74056CC74370}" type="datetimeFigureOut">
               <a:rPr lang="en-CA" smtClean="0"/>
-              <a:t>10/04/2018</a:t>
+              <a:t>19/04/2018</a:t>
             </a:fld>
             <a:endParaRPr lang="en-CA"/>
           </a:p>
@@ -2099,7 +2101,7 @@
           <a:p>
             <a:fld id="{2D90A0AE-35B3-4F46-B77E-74056CC74370}" type="datetimeFigureOut">
               <a:rPr lang="en-CA" smtClean="0"/>
-              <a:t>10/04/2018</a:t>
+              <a:t>19/04/2018</a:t>
             </a:fld>
             <a:endParaRPr lang="en-CA"/>
           </a:p>
@@ -2356,7 +2358,7 @@
           <a:p>
             <a:fld id="{2D90A0AE-35B3-4F46-B77E-74056CC74370}" type="datetimeFigureOut">
               <a:rPr lang="en-CA" smtClean="0"/>
-              <a:t>10/04/2018</a:t>
+              <a:t>19/04/2018</a:t>
             </a:fld>
             <a:endParaRPr lang="en-CA"/>
           </a:p>
@@ -2569,7 +2571,7 @@
           <a:p>
             <a:fld id="{2D90A0AE-35B3-4F46-B77E-74056CC74370}" type="datetimeFigureOut">
               <a:rPr lang="en-CA" smtClean="0"/>
-              <a:t>10/04/2018</a:t>
+              <a:t>19/04/2018</a:t>
             </a:fld>
             <a:endParaRPr lang="en-CA"/>
           </a:p>
@@ -3818,6 +3820,126 @@
 </p:sld>
 </file>
 
+<file path=ppt/slides/slide5.xml><?xml version="1.0" encoding="utf-8"?>
+<p:sld xmlns:a="http://schemas.openxmlformats.org/drawingml/2006/main" xmlns:r="http://schemas.openxmlformats.org/officeDocument/2006/relationships" xmlns:p="http://schemas.openxmlformats.org/presentationml/2006/main">
+  <p:cSld>
+    <p:spTree>
+      <p:nvGrpSpPr>
+        <p:cNvPr id="1" name=""/>
+        <p:cNvGrpSpPr/>
+        <p:nvPr/>
+      </p:nvGrpSpPr>
+      <p:grpSpPr>
+        <a:xfrm>
+          <a:off x="0" y="0"/>
+          <a:ext cx="0" cy="0"/>
+          <a:chOff x="0" y="0"/>
+          <a:chExt cx="0" cy="0"/>
+        </a:xfrm>
+      </p:grpSpPr>
+      <p:pic>
+        <p:nvPicPr>
+          <p:cNvPr id="4" name="Picture 3"/>
+          <p:cNvPicPr>
+            <a:picLocks noChangeAspect="1"/>
+          </p:cNvPicPr>
+          <p:nvPr/>
+        </p:nvPicPr>
+        <p:blipFill>
+          <a:blip r:embed="rId2">
+            <a:extLst>
+              <a:ext uri="{28A0092B-C50C-407E-A947-70E740481C1C}">
+                <a14:useLocalDpi xmlns:a14="http://schemas.microsoft.com/office/drawing/2010/main" val="0"/>
+              </a:ext>
+            </a:extLst>
+          </a:blip>
+          <a:stretch>
+            <a:fillRect/>
+          </a:stretch>
+        </p:blipFill>
+        <p:spPr>
+          <a:xfrm>
+            <a:off x="1538372" y="805211"/>
+            <a:ext cx="5400586" cy="5631804"/>
+          </a:xfrm>
+          <a:prstGeom prst="rect">
+            <a:avLst/>
+          </a:prstGeom>
+        </p:spPr>
+      </p:pic>
+    </p:spTree>
+    <p:extLst>
+      <p:ext uri="{BB962C8B-B14F-4D97-AF65-F5344CB8AC3E}">
+        <p14:creationId xmlns:p14="http://schemas.microsoft.com/office/powerpoint/2010/main" val="3977049009"/>
+      </p:ext>
+    </p:extLst>
+  </p:cSld>
+  <p:clrMapOvr>
+    <a:masterClrMapping/>
+  </p:clrMapOvr>
+</p:sld>
+</file>
+
+<file path=ppt/slides/slide6.xml><?xml version="1.0" encoding="utf-8"?>
+<p:sld xmlns:a="http://schemas.openxmlformats.org/drawingml/2006/main" xmlns:r="http://schemas.openxmlformats.org/officeDocument/2006/relationships" xmlns:p="http://schemas.openxmlformats.org/presentationml/2006/main">
+  <p:cSld>
+    <p:spTree>
+      <p:nvGrpSpPr>
+        <p:cNvPr id="1" name=""/>
+        <p:cNvGrpSpPr/>
+        <p:nvPr/>
+      </p:nvGrpSpPr>
+      <p:grpSpPr>
+        <a:xfrm>
+          <a:off x="0" y="0"/>
+          <a:ext cx="0" cy="0"/>
+          <a:chOff x="0" y="0"/>
+          <a:chExt cx="0" cy="0"/>
+        </a:xfrm>
+      </p:grpSpPr>
+      <p:pic>
+        <p:nvPicPr>
+          <p:cNvPr id="4" name="Picture 3"/>
+          <p:cNvPicPr>
+            <a:picLocks noChangeAspect="1"/>
+          </p:cNvPicPr>
+          <p:nvPr/>
+        </p:nvPicPr>
+        <p:blipFill>
+          <a:blip r:embed="rId2">
+            <a:extLst>
+              <a:ext uri="{28A0092B-C50C-407E-A947-70E740481C1C}">
+                <a14:useLocalDpi xmlns:a14="http://schemas.microsoft.com/office/drawing/2010/main" val="0"/>
+              </a:ext>
+            </a:extLst>
+          </a:blip>
+          <a:stretch>
+            <a:fillRect/>
+          </a:stretch>
+        </p:blipFill>
+        <p:spPr>
+          <a:xfrm>
+            <a:off x="1779632" y="993028"/>
+            <a:ext cx="4534533" cy="4401164"/>
+          </a:xfrm>
+          <a:prstGeom prst="rect">
+            <a:avLst/>
+          </a:prstGeom>
+        </p:spPr>
+      </p:pic>
+    </p:spTree>
+    <p:extLst>
+      <p:ext uri="{BB962C8B-B14F-4D97-AF65-F5344CB8AC3E}">
+        <p14:creationId xmlns:p14="http://schemas.microsoft.com/office/powerpoint/2010/main" val="806796073"/>
+      </p:ext>
+    </p:extLst>
+  </p:cSld>
+  <p:clrMapOvr>
+    <a:masterClrMapping/>
+  </p:clrMapOvr>
+</p:sld>
+</file>
+
 <file path=ppt/theme/theme1.xml><?xml version="1.0" encoding="utf-8"?>
 <a:theme xmlns:a="http://schemas.openxmlformats.org/drawingml/2006/main" name="Office Theme">
   <a:themeElements>
